--- a/eece2160/sp19/lectures/eece.2160sp19_lec15_PE2.pptx
+++ b/eece2160/sp19/lectures/eece.2160sp19_lec15_PE2.pptx
@@ -11100,38 +11100,14 @@
               <a:rPr lang="en-US" dirty="0">
                 <a:latin typeface="Arial" charset="0"/>
               </a:rPr>
-              <a:t>PE2 (cont.) –</a:t>
-            </a:r>
-            <a:r>
-              <a:rPr lang="en-US">
-                <a:latin typeface="Arial" charset="0"/>
-              </a:rPr>
-              <a:t>or–</a:t>
-            </a:r>
+              <a:t>PE2 (cont.) –or– Exam 1 Review</a:t>
+            </a:r>
+          </a:p>
+          <a:p>
             <a:r>
               <a:rPr lang="en-US" dirty="0">
                 <a:latin typeface="Arial" charset="0"/>
               </a:rPr>
-              <a:t> </a:t>
-            </a:r>
-            <a:r>
-              <a:rPr lang="en-US">
-                <a:latin typeface="Arial" charset="0"/>
-              </a:rPr>
-              <a:t>Exam </a:t>
-            </a:r>
-            <a:r>
-              <a:rPr lang="en-US" dirty="0">
-                <a:latin typeface="Arial" charset="0"/>
-              </a:rPr>
-              <a:t>1 Review</a:t>
-            </a:r>
-          </a:p>
-          <a:p>
-            <a:r>
-              <a:rPr lang="en-US" dirty="0">
-                <a:latin typeface="Arial" charset="0"/>
-              </a:rPr>
               <a:t>Reminders:</a:t>
             </a:r>
           </a:p>
@@ -11139,35 +11115,21 @@
             <a:pPr lvl="1"/>
             <a:r>
               <a:rPr lang="en-US" dirty="0"/>
-              <a:t>Program 2 resubmissions due Friday, 3/1</a:t>
-            </a:r>
-          </a:p>
-          <a:p>
-            <a:pPr lvl="1"/>
+              <a:t>Program 4 due 3/21</a:t>
+            </a:r>
+          </a:p>
+          <a:p>
+            <a:pPr lvl="2"/>
             <a:r>
               <a:rPr lang="en-US" dirty="0"/>
-              <a:t>Program 3 due today</a:t>
-            </a:r>
-          </a:p>
-          <a:p>
-            <a:pPr lvl="1"/>
+              <a:t>Will intro in class W 3/6</a:t>
+            </a:r>
+          </a:p>
+          <a:p>
+            <a:pPr lvl="2"/>
             <a:r>
               <a:rPr lang="en-US" dirty="0"/>
-              <a:t>Program 4 to be posted; due TBD</a:t>
-            </a:r>
-          </a:p>
-          <a:p>
-            <a:pPr lvl="2"/>
-            <a:r>
-              <a:rPr lang="en-US" dirty="0"/>
-              <a:t>Will intro in class later this week</a:t>
-            </a:r>
-          </a:p>
-          <a:p>
-            <a:pPr lvl="1"/>
-            <a:r>
-              <a:rPr lang="en-US" dirty="0"/>
-              <a:t>Exams to be returned Wed. or Fri.</a:t>
+              <a:t>Assignment is broken into 3 sections</a:t>
             </a:r>
           </a:p>
           <a:p>
@@ -11566,7 +11528,11 @@
             </a:r>
             <a:r>
               <a:rPr lang="en-US" dirty="0" smtClean="0"/>
-              <a:t>due 3/22</a:t>
+              <a:t>due </a:t>
+            </a:r>
+            <a:r>
+              <a:rPr lang="en-US" dirty="0" smtClean="0"/>
+              <a:t>3/21</a:t>
             </a:r>
             <a:endParaRPr lang="en-US" dirty="0"/>
           </a:p>
@@ -11578,8 +11544,13 @@
             </a:r>
             <a:r>
               <a:rPr lang="en-US" dirty="0" smtClean="0"/>
-              <a:t>W 3/20</a:t>
-            </a:r>
+              <a:t>W </a:t>
+            </a:r>
+            <a:r>
+              <a:rPr lang="en-US" dirty="0" smtClean="0"/>
+              <a:t>3/6</a:t>
+            </a:r>
+            <a:endParaRPr lang="en-US" dirty="0" smtClean="0"/>
           </a:p>
           <a:p>
             <a:pPr lvl="1"/>
@@ -11587,7 +11558,6 @@
               <a:rPr lang="en-US" dirty="0" smtClean="0"/>
               <a:t>Assignment is broken into 3 sections</a:t>
             </a:r>
-            <a:endParaRPr lang="en-US" dirty="0" smtClean="0"/>
           </a:p>
           <a:p>
             <a:pPr lvl="1"/>
